--- a/picture/示意图.pptx
+++ b/picture/示意图.pptx
@@ -203,7 +203,7 @@
           <a:p>
             <a:fld id="{3612A175-7B80-4877-9147-7DA6517030F2}" type="datetimeFigureOut">
               <a:rPr lang="zh-CN" altLang="en-US" smtClean="0"/>
-              <a:t>2019/7/9</a:t>
+              <a:t>2019/7/10</a:t>
             </a:fld>
             <a:endParaRPr lang="zh-CN" altLang="en-US"/>
           </a:p>
@@ -1535,7 +1535,7 @@
           <a:p>
             <a:fld id="{2806B226-67ED-4698-AE16-D2FFBBD57BF3}" type="datetimeFigureOut">
               <a:rPr lang="zh-CN" altLang="en-US" smtClean="0"/>
-              <a:t>2019/7/9</a:t>
+              <a:t>2019/7/10</a:t>
             </a:fld>
             <a:endParaRPr lang="zh-CN" altLang="en-US"/>
           </a:p>
@@ -1733,7 +1733,7 @@
           <a:p>
             <a:fld id="{2806B226-67ED-4698-AE16-D2FFBBD57BF3}" type="datetimeFigureOut">
               <a:rPr lang="zh-CN" altLang="en-US" smtClean="0"/>
-              <a:t>2019/7/9</a:t>
+              <a:t>2019/7/10</a:t>
             </a:fld>
             <a:endParaRPr lang="zh-CN" altLang="en-US"/>
           </a:p>
@@ -1941,7 +1941,7 @@
           <a:p>
             <a:fld id="{2806B226-67ED-4698-AE16-D2FFBBD57BF3}" type="datetimeFigureOut">
               <a:rPr lang="zh-CN" altLang="en-US" smtClean="0"/>
-              <a:t>2019/7/9</a:t>
+              <a:t>2019/7/10</a:t>
             </a:fld>
             <a:endParaRPr lang="zh-CN" altLang="en-US"/>
           </a:p>
@@ -2139,7 +2139,7 @@
           <a:p>
             <a:fld id="{2806B226-67ED-4698-AE16-D2FFBBD57BF3}" type="datetimeFigureOut">
               <a:rPr lang="zh-CN" altLang="en-US" smtClean="0"/>
-              <a:t>2019/7/9</a:t>
+              <a:t>2019/7/10</a:t>
             </a:fld>
             <a:endParaRPr lang="zh-CN" altLang="en-US"/>
           </a:p>
@@ -2414,7 +2414,7 @@
           <a:p>
             <a:fld id="{2806B226-67ED-4698-AE16-D2FFBBD57BF3}" type="datetimeFigureOut">
               <a:rPr lang="zh-CN" altLang="en-US" smtClean="0"/>
-              <a:t>2019/7/9</a:t>
+              <a:t>2019/7/10</a:t>
             </a:fld>
             <a:endParaRPr lang="zh-CN" altLang="en-US"/>
           </a:p>
@@ -2679,7 +2679,7 @@
           <a:p>
             <a:fld id="{2806B226-67ED-4698-AE16-D2FFBBD57BF3}" type="datetimeFigureOut">
               <a:rPr lang="zh-CN" altLang="en-US" smtClean="0"/>
-              <a:t>2019/7/9</a:t>
+              <a:t>2019/7/10</a:t>
             </a:fld>
             <a:endParaRPr lang="zh-CN" altLang="en-US"/>
           </a:p>
@@ -3091,7 +3091,7 @@
           <a:p>
             <a:fld id="{2806B226-67ED-4698-AE16-D2FFBBD57BF3}" type="datetimeFigureOut">
               <a:rPr lang="zh-CN" altLang="en-US" smtClean="0"/>
-              <a:t>2019/7/9</a:t>
+              <a:t>2019/7/10</a:t>
             </a:fld>
             <a:endParaRPr lang="zh-CN" altLang="en-US"/>
           </a:p>
@@ -3232,7 +3232,7 @@
           <a:p>
             <a:fld id="{2806B226-67ED-4698-AE16-D2FFBBD57BF3}" type="datetimeFigureOut">
               <a:rPr lang="zh-CN" altLang="en-US" smtClean="0"/>
-              <a:t>2019/7/9</a:t>
+              <a:t>2019/7/10</a:t>
             </a:fld>
             <a:endParaRPr lang="zh-CN" altLang="en-US"/>
           </a:p>
@@ -3345,7 +3345,7 @@
           <a:p>
             <a:fld id="{2806B226-67ED-4698-AE16-D2FFBBD57BF3}" type="datetimeFigureOut">
               <a:rPr lang="zh-CN" altLang="en-US" smtClean="0"/>
-              <a:t>2019/7/9</a:t>
+              <a:t>2019/7/10</a:t>
             </a:fld>
             <a:endParaRPr lang="zh-CN" altLang="en-US"/>
           </a:p>
@@ -3656,7 +3656,7 @@
           <a:p>
             <a:fld id="{2806B226-67ED-4698-AE16-D2FFBBD57BF3}" type="datetimeFigureOut">
               <a:rPr lang="zh-CN" altLang="en-US" smtClean="0"/>
-              <a:t>2019/7/9</a:t>
+              <a:t>2019/7/10</a:t>
             </a:fld>
             <a:endParaRPr lang="zh-CN" altLang="en-US"/>
           </a:p>
@@ -3944,7 +3944,7 @@
           <a:p>
             <a:fld id="{2806B226-67ED-4698-AE16-D2FFBBD57BF3}" type="datetimeFigureOut">
               <a:rPr lang="zh-CN" altLang="en-US" smtClean="0"/>
-              <a:t>2019/7/9</a:t>
+              <a:t>2019/7/10</a:t>
             </a:fld>
             <a:endParaRPr lang="zh-CN" altLang="en-US"/>
           </a:p>
@@ -4185,7 +4185,7 @@
           <a:p>
             <a:fld id="{2806B226-67ED-4698-AE16-D2FFBBD57BF3}" type="datetimeFigureOut">
               <a:rPr lang="zh-CN" altLang="en-US" smtClean="0"/>
-              <a:t>2019/7/9</a:t>
+              <a:t>2019/7/10</a:t>
             </a:fld>
             <a:endParaRPr lang="zh-CN" altLang="en-US"/>
           </a:p>
@@ -10295,7 +10295,7 @@
                 </a:solidFill>
                 <a:latin typeface="Palatino Linotype" panose="02040502050505030304" pitchFamily="18" charset="0"/>
               </a:rPr>
-              <a:t>from t0-t2</a:t>
+              <a:t>from t0-t3</a:t>
             </a:r>
             <a:endParaRPr lang="zh-CN" altLang="en-US" sz="1400" b="1" dirty="0">
               <a:solidFill>
@@ -10378,7 +10378,7 @@
                 </a:solidFill>
                 <a:latin typeface="Palatino Linotype" panose="02040502050505030304" pitchFamily="18" charset="0"/>
               </a:rPr>
-              <a:t>from t2-t4</a:t>
+              <a:t>from t3-t6</a:t>
             </a:r>
             <a:endParaRPr lang="zh-CN" altLang="en-US" sz="1400" b="1" dirty="0">
               <a:solidFill>
@@ -10461,7 +10461,7 @@
                 </a:solidFill>
                 <a:latin typeface="Palatino Linotype" panose="02040502050505030304" pitchFamily="18" charset="0"/>
               </a:rPr>
-              <a:t>from t4-t6</a:t>
+              <a:t>from t6-t9</a:t>
             </a:r>
             <a:endParaRPr lang="zh-CN" altLang="en-US" sz="1400" b="1" dirty="0">
               <a:solidFill>
@@ -10544,7 +10544,7 @@
                 </a:solidFill>
                 <a:latin typeface="Palatino Linotype" panose="02040502050505030304" pitchFamily="18" charset="0"/>
               </a:rPr>
-              <a:t>from t6-t8</a:t>
+              <a:t>from t9-t12</a:t>
             </a:r>
             <a:endParaRPr lang="zh-CN" altLang="en-US" sz="1400" b="1" dirty="0">
               <a:solidFill>
@@ -10570,7 +10570,7 @@
         <p:spPr>
           <a:xfrm>
             <a:off x="726903" y="3671601"/>
-            <a:ext cx="8798091" cy="400110"/>
+            <a:ext cx="8798091" cy="369332"/>
           </a:xfrm>
           <a:prstGeom prst="rect">
             <a:avLst/>
@@ -10595,18 +10595,18 @@
           <a:p>
             <a:pPr algn="ctr"/>
             <a:r>
-              <a:rPr lang="en-US" altLang="zh-CN" sz="2000" dirty="0">
+              <a:rPr lang="en-US" altLang="zh-CN" dirty="0">
                 <a:latin typeface="Palatino Linotype" panose="02040502050505030304" pitchFamily="18" charset="0"/>
               </a:rPr>
               <a:t>RDD</a:t>
             </a:r>
             <a:r>
-              <a:rPr lang="zh-CN" altLang="en-US" sz="2000" dirty="0">
+              <a:rPr lang="zh-CN" altLang="en-US" dirty="0">
                 <a:latin typeface="Palatino Linotype" panose="02040502050505030304" pitchFamily="18" charset="0"/>
               </a:rPr>
               <a:t>示意图</a:t>
             </a:r>
-            <a:endParaRPr lang="en-US" altLang="zh-CN" sz="2000" dirty="0">
+            <a:endParaRPr lang="en-US" altLang="zh-CN" dirty="0">
               <a:latin typeface="Palatino Linotype" panose="02040502050505030304" pitchFamily="18" charset="0"/>
             </a:endParaRPr>
           </a:p>
